--- a/quick sort/quick sort.pptx
+++ b/quick sort/quick sort.pptx
@@ -276,7 +276,7 @@
           <a:p>
             <a:fld id="{918668C7-9662-4AFA-A739-A081C84C16B2}" type="datetimeFigureOut">
               <a:rPr lang="en-IN" smtClean="0"/>
-              <a:t>23-12-2024</a:t>
+              <a:t>26-12-2024</a:t>
             </a:fld>
             <a:endParaRPr lang="en-IN"/>
           </a:p>
@@ -467,7 +467,7 @@
           <a:p>
             <a:fld id="{918668C7-9662-4AFA-A739-A081C84C16B2}" type="datetimeFigureOut">
               <a:rPr lang="en-IN" smtClean="0"/>
-              <a:t>23-12-2024</a:t>
+              <a:t>26-12-2024</a:t>
             </a:fld>
             <a:endParaRPr lang="en-IN"/>
           </a:p>
@@ -699,7 +699,7 @@
           <a:p>
             <a:fld id="{918668C7-9662-4AFA-A739-A081C84C16B2}" type="datetimeFigureOut">
               <a:rPr lang="en-IN" smtClean="0"/>
-              <a:t>23-12-2024</a:t>
+              <a:t>26-12-2024</a:t>
             </a:fld>
             <a:endParaRPr lang="en-IN"/>
           </a:p>
@@ -857,7 +857,7 @@
           <a:p>
             <a:fld id="{918668C7-9662-4AFA-A739-A081C84C16B2}" type="datetimeFigureOut">
               <a:rPr lang="en-IN" smtClean="0"/>
-              <a:t>23-12-2024</a:t>
+              <a:t>26-12-2024</a:t>
             </a:fld>
             <a:endParaRPr lang="en-IN"/>
           </a:p>
@@ -982,7 +982,7 @@
           <a:p>
             <a:fld id="{918668C7-9662-4AFA-A739-A081C84C16B2}" type="datetimeFigureOut">
               <a:rPr lang="en-IN" smtClean="0"/>
-              <a:t>23-12-2024</a:t>
+              <a:t>26-12-2024</a:t>
             </a:fld>
             <a:endParaRPr lang="en-IN"/>
           </a:p>
@@ -1421,7 +1421,7 @@
           <a:p>
             <a:fld id="{918668C7-9662-4AFA-A739-A081C84C16B2}" type="datetimeFigureOut">
               <a:rPr lang="en-IN" smtClean="0"/>
-              <a:t>23-12-2024</a:t>
+              <a:t>26-12-2024</a:t>
             </a:fld>
             <a:endParaRPr lang="en-IN"/>
           </a:p>
@@ -15905,7 +15905,13 @@
           <p:cNvGraphicFramePr>
             <a:graphicFrameLocks noGrp="1"/>
           </p:cNvGraphicFramePr>
-          <p:nvPr/>
+          <p:nvPr>
+            <p:extLst>
+              <p:ext uri="{D42A27DB-BD31-4B8C-83A1-F6EECF244321}">
+                <p14:modId xmlns:p14="http://schemas.microsoft.com/office/powerpoint/2010/main" val="2799447398"/>
+              </p:ext>
+            </p:extLst>
+          </p:nvPr>
         </p:nvGraphicFramePr>
         <p:xfrm>
           <a:off x="4059813" y="3735351"/>
@@ -15941,7 +15947,7 @@
                     <a:p>
                       <a:r>
                         <a:rPr lang="en-US" dirty="0"/>
-                        <a:t>99.99</a:t>
+                        <a:t>49.95</a:t>
                       </a:r>
                       <a:endParaRPr lang="en-IN" dirty="0"/>
                     </a:p>
@@ -15955,7 +15961,7 @@
                     <a:p>
                       <a:r>
                         <a:rPr lang="en-US" dirty="0"/>
-                        <a:t>49.95</a:t>
+                        <a:t>99.99</a:t>
                       </a:r>
                       <a:endParaRPr lang="en-IN" dirty="0"/>
                     </a:p>
@@ -16134,7 +16140,13 @@
           <p:cNvGraphicFramePr>
             <a:graphicFrameLocks noGrp="1"/>
           </p:cNvGraphicFramePr>
-          <p:nvPr/>
+          <p:nvPr>
+            <p:extLst>
+              <p:ext uri="{D42A27DB-BD31-4B8C-83A1-F6EECF244321}">
+                <p14:modId xmlns:p14="http://schemas.microsoft.com/office/powerpoint/2010/main" val="2476658854"/>
+              </p:ext>
+            </p:extLst>
+          </p:nvPr>
         </p:nvGraphicFramePr>
         <p:xfrm>
           <a:off x="4069670" y="3036199"/>
@@ -16170,7 +16182,7 @@
                     <a:p>
                       <a:r>
                         <a:rPr lang="en-US" dirty="0"/>
-                        <a:t>99.99</a:t>
+                        <a:t>49.95</a:t>
                       </a:r>
                       <a:endParaRPr lang="en-IN" dirty="0"/>
                     </a:p>
@@ -16184,7 +16196,7 @@
                     <a:p>
                       <a:r>
                         <a:rPr lang="en-US" dirty="0"/>
-                        <a:t>49.95</a:t>
+                        <a:t>99.99</a:t>
                       </a:r>
                       <a:endParaRPr lang="en-IN" dirty="0"/>
                     </a:p>
